--- a/LOGISTIC REGRESSION_Example.pptx
+++ b/LOGISTIC REGRESSION_Example.pptx
@@ -24217,8 +24217,8 @@
           </a:p>
         </p:txBody>
       </p:sp>
-      <mc:AlternateContent xmlns:mc="http://schemas.openxmlformats.org/markup-compatibility/2006">
-        <mc:Choice xmlns:a14="http://schemas.microsoft.com/office/drawing/2010/main" Requires="a14">
+      <mc:AlternateContent xmlns:mc="http://schemas.openxmlformats.org/markup-compatibility/2006" xmlns:a14="http://schemas.microsoft.com/office/drawing/2010/main">
+        <mc:Choice Requires="a14">
           <p:sp>
             <p:nvSpPr>
               <p:cNvPr id="4" name="AutoShape 6">
@@ -24277,7 +24277,7 @@
                             <a:solidFill>
                               <a:srgbClr val="525BA6"/>
                             </a:solidFill>
-                            <a:latin typeface="Arial "/>
+                            <a:latin typeface="Cambria Math" panose="02040503050406030204" pitchFamily="18" charset="0"/>
                           </a:rPr>
                         </m:ctrlPr>
                       </m:sSubPr>
@@ -24287,7 +24287,7 @@
                             <a:solidFill>
                               <a:srgbClr val="525BA6"/>
                             </a:solidFill>
-                            <a:latin typeface="Arial "/>
+                            <a:latin typeface="Cambria Math" panose="02040503050406030204" pitchFamily="18" charset="0"/>
                           </a:rPr>
                           <m:t>𝑥</m:t>
                         </m:r>
@@ -24298,7 +24298,7 @@
                             <a:solidFill>
                               <a:srgbClr val="525BA6"/>
                             </a:solidFill>
-                            <a:latin typeface="Arial "/>
+                            <a:latin typeface="Cambria Math" panose="02040503050406030204" pitchFamily="18" charset="0"/>
                           </a:rPr>
                           <m:t>1</m:t>
                         </m:r>
@@ -24956,7 +24956,7 @@
             </p:txBody>
           </p:sp>
         </mc:Choice>
-        <mc:Fallback>
+        <mc:Fallback xmlns="">
           <p:sp>
             <p:nvSpPr>
               <p:cNvPr id="4" name="AutoShape 6">
@@ -25139,8 +25139,8 @@
           </a:p>
         </p:txBody>
       </p:sp>
-      <mc:AlternateContent xmlns:mc="http://schemas.openxmlformats.org/markup-compatibility/2006">
-        <mc:Choice xmlns:a14="http://schemas.microsoft.com/office/drawing/2010/main" Requires="a14">
+      <mc:AlternateContent xmlns:mc="http://schemas.openxmlformats.org/markup-compatibility/2006" xmlns:a14="http://schemas.microsoft.com/office/drawing/2010/main">
+        <mc:Choice Requires="a14">
           <p:sp>
             <p:nvSpPr>
               <p:cNvPr id="4" name="AutoShape 6">
@@ -25559,7 +25559,7 @@
             </p:txBody>
           </p:sp>
         </mc:Choice>
-        <mc:Fallback>
+        <mc:Fallback xmlns="">
           <p:sp>
             <p:nvSpPr>
               <p:cNvPr id="4" name="AutoShape 6">
@@ -25742,8 +25742,8 @@
           </a:p>
         </p:txBody>
       </p:sp>
-      <mc:AlternateContent xmlns:mc="http://schemas.openxmlformats.org/markup-compatibility/2006">
-        <mc:Choice xmlns:a14="http://schemas.microsoft.com/office/drawing/2010/main" Requires="a14">
+      <mc:AlternateContent xmlns:mc="http://schemas.openxmlformats.org/markup-compatibility/2006" xmlns:a14="http://schemas.microsoft.com/office/drawing/2010/main">
+        <mc:Choice Requires="a14">
           <p:sp>
             <p:nvSpPr>
               <p:cNvPr id="4" name="AutoShape 6">
@@ -26279,7 +26279,7 @@
             </p:txBody>
           </p:sp>
         </mc:Choice>
-        <mc:Fallback>
+        <mc:Fallback xmlns="">
           <p:sp>
             <p:nvSpPr>
               <p:cNvPr id="4" name="AutoShape 6">
@@ -26522,8 +26522,182 @@
                     <a:solidFill>
                       <a:srgbClr val="1F2C8F"/>
                     </a:solidFill>
+                    <a:sym typeface="Wingdings" panose="05000000000000000000" pitchFamily="2" charset="2"/>
                   </a:rPr>
-                  <a:t>Sau khi có W, thay vào ta có </a:t>
+                  <a:t>các bước : </a:t>
+                </a:r>
+              </a:p>
+              <a:p>
+                <a:pPr marL="0" indent="0">
+                  <a:buNone/>
+                </a:pPr>
+                <a:r>
+                  <a:rPr lang="en-US" sz="2000">
+                    <a:solidFill>
+                      <a:srgbClr val="1F2C8F"/>
+                    </a:solidFill>
+                    <a:sym typeface="Wingdings" panose="05000000000000000000" pitchFamily="2" charset="2"/>
+                  </a:rPr>
+                  <a:t>B1 : khởi tạo w , t . Hệ số học alpha </a:t>
+                </a:r>
+              </a:p>
+              <a:p>
+                <a:pPr marL="0" indent="0">
+                  <a:buNone/>
+                </a:pPr>
+                <a:r>
+                  <a:rPr lang="en-US" sz="2000">
+                    <a:solidFill>
+                      <a:srgbClr val="1F2C8F"/>
+                    </a:solidFill>
+                    <a:sym typeface="Wingdings" panose="05000000000000000000" pitchFamily="2" charset="2"/>
+                  </a:rPr>
+                  <a:t>B2: Tính </a:t>
+                </a:r>
+                <a14:m>
+                  <m:oMath xmlns:m="http://schemas.openxmlformats.org/officeDocument/2006/math">
+                    <m:acc>
+                      <m:accPr>
+                        <m:chr m:val="̂"/>
+                        <m:ctrlPr>
+                          <a:rPr lang="en-US" sz="2000" b="1" i="1" smtClean="0">
+                            <a:solidFill>
+                              <a:srgbClr val="525BA6"/>
+                            </a:solidFill>
+                            <a:latin typeface="Cambria Math" panose="02040503050406030204" pitchFamily="18" charset="0"/>
+                          </a:rPr>
+                        </m:ctrlPr>
+                      </m:accPr>
+                      <m:e>
+                        <m:r>
+                          <a:rPr lang="en-US" sz="2000" b="1" i="1">
+                            <a:solidFill>
+                              <a:srgbClr val="525BA6"/>
+                            </a:solidFill>
+                            <a:latin typeface="Cambria Math" panose="02040503050406030204" pitchFamily="18" charset="0"/>
+                          </a:rPr>
+                          <m:t>𝒚</m:t>
+                        </m:r>
+                        <m:r>
+                          <a:rPr lang="en-US" sz="2000" b="1" i="1" smtClean="0">
+                            <a:solidFill>
+                              <a:srgbClr val="525BA6"/>
+                            </a:solidFill>
+                            <a:latin typeface="Cambria Math" panose="02040503050406030204" pitchFamily="18" charset="0"/>
+                          </a:rPr>
+                          <m:t> </m:t>
+                        </m:r>
+                      </m:e>
+                    </m:acc>
+                  </m:oMath>
+                </a14:m>
+                <a:endParaRPr lang="en-US" sz="2000">
+                  <a:solidFill>
+                    <a:srgbClr val="1F2C8F"/>
+                  </a:solidFill>
+                </a:endParaRPr>
+              </a:p>
+              <a:p>
+                <a:pPr marL="0" indent="0">
+                  <a:buNone/>
+                </a:pPr>
+                <a:r>
+                  <a:rPr lang="en-US" sz="2000">
+                    <a:solidFill>
+                      <a:srgbClr val="1F2C8F"/>
+                    </a:solidFill>
+                  </a:rPr>
+                  <a:t>B3: tính hàm Loss </a:t>
+                </a:r>
+              </a:p>
+              <a:p>
+                <a:pPr marL="0" indent="0">
+                  <a:buNone/>
+                </a:pPr>
+                <a:r>
+                  <a:rPr lang="en-US" sz="2000">
+                    <a:solidFill>
+                      <a:srgbClr val="1F2C8F"/>
+                    </a:solidFill>
+                  </a:rPr>
+                  <a:t>B4: Cập nhật w </a:t>
+                </a:r>
+              </a:p>
+              <a:p>
+                <a:pPr marL="0" indent="0">
+                  <a:buNone/>
+                </a:pPr>
+                <a:r>
+                  <a:rPr lang="en-US" sz="2000">
+                    <a:solidFill>
+                      <a:srgbClr val="1F2C8F"/>
+                    </a:solidFill>
+                  </a:rPr>
+                  <a:t>B5 : Thay w vừa tìm được vào </a:t>
+                </a:r>
+                <a14:m>
+                  <m:oMath xmlns:m="http://schemas.openxmlformats.org/officeDocument/2006/math">
+                    <m:acc>
+                      <m:accPr>
+                        <m:chr m:val="̂"/>
+                        <m:ctrlPr>
+                          <a:rPr lang="en-US" sz="2000" b="1" i="1" smtClean="0">
+                            <a:solidFill>
+                              <a:srgbClr val="525BA6"/>
+                            </a:solidFill>
+                            <a:latin typeface="Cambria Math" panose="02040503050406030204" pitchFamily="18" charset="0"/>
+                          </a:rPr>
+                        </m:ctrlPr>
+                      </m:accPr>
+                      <m:e>
+                        <m:r>
+                          <a:rPr lang="en-US" sz="2000" b="1" i="1">
+                            <a:solidFill>
+                              <a:srgbClr val="525BA6"/>
+                            </a:solidFill>
+                            <a:latin typeface="Cambria Math" panose="02040503050406030204" pitchFamily="18" charset="0"/>
+                          </a:rPr>
+                          <m:t>𝒚</m:t>
+                        </m:r>
+                        <m:r>
+                          <a:rPr lang="en-US" sz="2000" b="1" i="1" smtClean="0">
+                            <a:solidFill>
+                              <a:srgbClr val="525BA6"/>
+                            </a:solidFill>
+                            <a:latin typeface="Cambria Math" panose="02040503050406030204" pitchFamily="18" charset="0"/>
+                          </a:rPr>
+                          <m:t> </m:t>
+                        </m:r>
+                      </m:e>
+                    </m:acc>
+                    <m:r>
+                      <a:rPr lang="en-US" sz="2000" b="0" i="0" smtClean="0">
+                        <a:solidFill>
+                          <a:srgbClr val="525BA6"/>
+                        </a:solidFill>
+                        <a:latin typeface="Cambria Math" panose="02040503050406030204" pitchFamily="18" charset="0"/>
+                      </a:rPr>
+                      <m:t> </m:t>
+                    </m:r>
+                  </m:oMath>
+                </a14:m>
+                <a:r>
+                  <a:rPr lang="en-US" sz="2000">
+                    <a:solidFill>
+                      <a:srgbClr val="1F2C8F"/>
+                    </a:solidFill>
+                  </a:rPr>
+                  <a:t>, so sánh với t </a:t>
+                </a:r>
+              </a:p>
+              <a:p>
+                <a:r>
+                  <a:rPr lang="en-US" sz="2000">
+                    <a:solidFill>
+                      <a:srgbClr val="1F2C8F"/>
+                    </a:solidFill>
+                  </a:rPr>
+                  <a:t>Sau khi có W tối ưu , thay vào ta có </a:t>
                 </a:r>
                 <a14:m>
                   <m:oMath xmlns:m="http://schemas.openxmlformats.org/officeDocument/2006/math">
@@ -27013,7 +27187,7 @@
               <a:blipFill>
                 <a:blip r:embed="rId3"/>
                 <a:stretch>
-                  <a:fillRect l="-482" t="-872"/>
+                  <a:fillRect l="-589" t="-872"/>
                 </a:stretch>
               </a:blipFill>
               <a:extLst>
